--- a/crowsiAuditSlides.pptx
+++ b/crowsiAuditSlides.pptx
@@ -1220,7 +1220,7 @@
           <a:p>
             <a:fld id="{2A3AE05D-7088-4B70-87A3-985B9FA1B847}" type="datetimeFigureOut">
               <a:rPr lang="de-DE" smtClean="0"/>
-              <a:t>01.03.2025</a:t>
+              <a:t>02.03.2025</a:t>
             </a:fld>
             <a:endParaRPr lang="de-DE"/>
           </a:p>
@@ -5581,7 +5581,7 @@
                 <a:cs typeface="Calibri"/>
                 <a:sym typeface="Calibri"/>
               </a:rPr>
-              <a:t> automotive solution landscape</a:t>
+              <a:t> automotive security solution landscape</a:t>
             </a:r>
             <a:endParaRPr lang="en-US" sz="1400" b="0" i="0" u="none" strike="noStrike" cap="none" dirty="0">
               <a:solidFill>
@@ -7899,7 +7899,7 @@
                 <a:cs typeface="Calibri" panose="020F0502020204030204" pitchFamily="34" charset="0"/>
                 <a:sym typeface="Arial"/>
               </a:rPr>
-              <a:t>deploy various containerized honeypot decoys in dedicated backend infrastructure and expose it in actual asset eco system via a </a:t>
+              <a:t>deploy various containerized honeypot decoys in dedicated backend infrastructure and expose it in actual asset eco-system via a </a:t>
             </a:r>
             <a:r>
               <a:rPr lang="en-US" sz="1400" dirty="0">
@@ -9941,15 +9941,7 @@
             </a:pPr>
             <a:r>
               <a:rPr lang="en-US" sz="1400" noProof="0" dirty="0"/>
-              <a:t>By integrating CROWSI into our in-vehicle edge-device, we distract attackers from our actual assets, wasting their resources and gaining valuable insights on attacker </a:t>
-            </a:r>
-            <a:r>
-              <a:rPr lang="en-US" sz="1400" noProof="0" dirty="0" err="1"/>
-              <a:t>intrests</a:t>
-            </a:r>
-            <a:r>
-              <a:rPr lang="en-US" sz="1400" noProof="0" dirty="0"/>
-              <a:t> and activities.</a:t>
+              <a:t>By integrating CROWSI into our in-vehicle edge-device, we distract attackers from our actual assets, wasting their resources and gaining valuable insights on attacker interests and activities.</a:t>
             </a:r>
           </a:p>
           <a:p>
@@ -11352,7 +11344,7 @@
             </a:pPr>
             <a:r>
               <a:rPr lang="en-US" sz="1400" noProof="0" dirty="0"/>
-              <a:t>This allows us take proactive responses for the respective threat vector and in gain knowledge helping us improve our overall security.</a:t>
+              <a:t>This allows us take proactive responses for the respective threat vector and provides knowledge helping us improve our overall security.</a:t>
             </a:r>
           </a:p>
         </p:txBody>
@@ -12814,7 +12806,7 @@
             </a:pPr>
             <a:r>
               <a:rPr lang="en-US" sz="1400" noProof="0" dirty="0"/>
-              <a:t>This allows us gain time to take proactive responses and in addition provides knowledge helping us improve our overall security.</a:t>
+              <a:t>This allows us to gain time to take proactive responses and in addition provides knowledge helping us improve our overall security.</a:t>
             </a:r>
           </a:p>
         </p:txBody>
@@ -13560,7 +13552,7 @@
                 <a:cs typeface="Calibri"/>
                 <a:sym typeface="Calibri"/>
               </a:rPr>
-              <a:t>Logs evaluations shows interaction with honeypot</a:t>
+              <a:t>Logs evaluations show interaction with honeypot</a:t>
             </a:r>
             <a:endParaRPr kumimoji="0" lang="en-US" sz="1400" b="0" i="0" u="none" strike="noStrike" kern="0" cap="none" spc="0" normalizeH="0" baseline="0" dirty="0">
               <a:ln>
